--- a/Développer des applications communicantes.pptx
+++ b/Développer des applications communicantes.pptx
@@ -7869,10 +7869,10 @@
       </p:sp>
       <p:pic>
         <p:nvPicPr>
-          <p:cNvPr id="9" name="Image 8" descr="Une image contenant texte, capture d’écran, Police, conception&#10;&#10;Le contenu généré par l’IA peut être incorrect.">
-            <a:extLst>
-              <a:ext uri="{FF2B5EF4-FFF2-40B4-BE49-F238E27FC236}">
-                <a16:creationId xmlns:a16="http://schemas.microsoft.com/office/drawing/2014/main" id="{519A2E1D-EC4D-B1B5-7618-8310A6A6706D}"/>
+          <p:cNvPr id="11" name="Image 10" descr="Une image contenant texte, capture d’écran, Police, nombre&#10;&#10;Le contenu généré par l’IA peut être incorrect.">
+            <a:extLst>
+              <a:ext uri="{FF2B5EF4-FFF2-40B4-BE49-F238E27FC236}">
+                <a16:creationId xmlns:a16="http://schemas.microsoft.com/office/drawing/2014/main" id="{17DA416A-401F-7939-B96A-76FBDBEDF5BF}"/>
               </a:ext>
             </a:extLst>
           </p:cNvPr>
@@ -7889,8 +7889,8 @@
         </p:blipFill>
         <p:spPr>
           <a:xfrm>
-            <a:off x="7111789" y="3328438"/>
-            <a:ext cx="1485515" cy="3250850"/>
+            <a:off x="7080141" y="3337791"/>
+            <a:ext cx="1520176" cy="3374159"/>
           </a:xfrm>
           <a:prstGeom prst="rect">
             <a:avLst/>
@@ -10405,6 +10405,15 @@
 </file>
 
 <file path=customXml/item1.xml><?xml version="1.0" encoding="utf-8"?>
+<?mso-contentType ?>
+<FormTemplates xmlns="http://schemas.microsoft.com/sharepoint/v3/contenttype/forms">
+  <Display>DocumentLibraryForm</Display>
+  <Edit>DocumentLibraryForm</Edit>
+  <New>DocumentLibraryForm</New>
+</FormTemplates>
+</file>
+
+<file path=customXml/item2.xml><?xml version="1.0" encoding="utf-8"?>
 <ct:contentTypeSchema xmlns:ct="http://schemas.microsoft.com/office/2006/metadata/contentType" xmlns:ma="http://schemas.microsoft.com/office/2006/metadata/properties/metaAttributes" ct:_="" ma:_="" ma:contentTypeName="Document" ma:contentTypeID="0x0101005090ABD94B10FA4A9EA32FB3306DEBEF" ma:contentTypeVersion="11" ma:contentTypeDescription="Crée un document." ma:contentTypeScope="" ma:versionID="7b1ed41425f213d3d81fa48624cb4d75">
   <xsd:schema xmlns:xsd="http://www.w3.org/2001/XMLSchema" xmlns:xs="http://www.w3.org/2001/XMLSchema" xmlns:p="http://schemas.microsoft.com/office/2006/metadata/properties" xmlns:ns3="da6af751-cc88-47d1-b60e-0f71f20c559f" targetNamespace="http://schemas.microsoft.com/office/2006/metadata/properties" ma:root="true" ma:fieldsID="59b71e63350cc17fec7dff2c6594b3c4" ns3:_="">
     <xsd:import namespace="da6af751-cc88-47d1-b60e-0f71f20c559f"/>
@@ -10592,15 +10601,6 @@
 </ct:contentTypeSchema>
 </file>
 
-<file path=customXml/item2.xml><?xml version="1.0" encoding="utf-8"?>
-<?mso-contentType ?>
-<FormTemplates xmlns="http://schemas.microsoft.com/sharepoint/v3/contenttype/forms">
-  <Display>DocumentLibraryForm</Display>
-  <Edit>DocumentLibraryForm</Edit>
-  <New>DocumentLibraryForm</New>
-</FormTemplates>
-</file>
-
 <file path=customXml/item3.xml><?xml version="1.0" encoding="utf-8"?>
 <p:properties xmlns:p="http://schemas.microsoft.com/office/2006/metadata/properties" xmlns:xsi="http://www.w3.org/2001/XMLSchema-instance" xmlns:pc="http://schemas.microsoft.com/office/infopath/2007/PartnerControls">
   <documentManagement>
@@ -10610,6 +10610,14 @@
 </file>
 
 <file path=customXml/itemProps1.xml><?xml version="1.0" encoding="utf-8"?>
+<ds:datastoreItem xmlns:ds="http://schemas.openxmlformats.org/officeDocument/2006/customXml" ds:itemID="{6DE3707C-8CAB-4302-B7E1-D32E1543E05C}">
+  <ds:schemaRefs>
+    <ds:schemaRef ds:uri="http://schemas.microsoft.com/sharepoint/v3/contenttype/forms"/>
+  </ds:schemaRefs>
+</ds:datastoreItem>
+</file>
+
+<file path=customXml/itemProps2.xml><?xml version="1.0" encoding="utf-8"?>
 <ds:datastoreItem xmlns:ds="http://schemas.openxmlformats.org/officeDocument/2006/customXml" ds:itemID="{B3C8BD9B-CD6E-4210-BCC2-124F7B78E75D}">
   <ds:schemaRefs>
     <ds:schemaRef ds:uri="http://schemas.microsoft.com/office/2006/metadata/contentType"/>
@@ -10623,14 +10631,6 @@
     <ds:schemaRef ds:uri="http://purl.org/dc/elements/1.1/"/>
     <ds:schemaRef ds:uri="http://purl.org/dc/terms/"/>
     <ds:schemaRef ds:uri="http://schemas.microsoft.com/internal/obd"/>
-  </ds:schemaRefs>
-</ds:datastoreItem>
-</file>
-
-<file path=customXml/itemProps2.xml><?xml version="1.0" encoding="utf-8"?>
-<ds:datastoreItem xmlns:ds="http://schemas.openxmlformats.org/officeDocument/2006/customXml" ds:itemID="{6DE3707C-8CAB-4302-B7E1-D32E1543E05C}">
-  <ds:schemaRefs>
-    <ds:schemaRef ds:uri="http://schemas.microsoft.com/sharepoint/v3/contenttype/forms"/>
   </ds:schemaRefs>
 </ds:datastoreItem>
 </file>

--- a/Développer des applications communicantes.pptx
+++ b/Développer des applications communicantes.pptx
@@ -131,14 +131,6 @@
 <p188:authorLst xmlns:a="http://schemas.openxmlformats.org/drawingml/2006/main" xmlns:r="http://schemas.openxmlformats.org/officeDocument/2006/relationships" xmlns:p188="http://schemas.microsoft.com/office/powerpoint/2018/8/main">
   <p188:author id="{00000000-0000-0000-0000-000000000000}" name="Author" initials="A" userId="Author" providerId="AD"/>
 </p188:authorLst>
-</file>
-
-<file path=ppt/revisionInfo.xml><?xml version="1.0" encoding="utf-8"?>
-<p1510:revInfo xmlns:a="http://schemas.openxmlformats.org/drawingml/2006/main" xmlns:r="http://schemas.openxmlformats.org/officeDocument/2006/relationships" xmlns:p1510="http://schemas.microsoft.com/office/powerpoint/2015/10/main">
-  <p1510:revLst>
-    <p1510:client id="{8D707D72-E164-4655-A546-E182E8C7763E}" v="139" dt="2026-01-24T08:42:39.489"/>
-  </p1510:revLst>
-</p1510:revInfo>
 </file>
 
 <file path=ppt/handoutMasters/handoutMaster1.xml><?xml version="1.0" encoding="utf-8"?>
@@ -8149,10 +8141,10 @@
         </p:nvGrpSpPr>
         <p:grpSpPr>
           <a:xfrm>
-            <a:off x="1176183" y="1324070"/>
-            <a:ext cx="2852640" cy="4001667"/>
-            <a:chOff x="1108774" y="1267314"/>
-            <a:chExt cx="2852640" cy="4001667"/>
+            <a:off x="898549" y="1084349"/>
+            <a:ext cx="3717434" cy="4731808"/>
+            <a:chOff x="856391" y="1267314"/>
+            <a:chExt cx="3717434" cy="4731808"/>
           </a:xfrm>
         </p:grpSpPr>
         <p:sp>
@@ -8169,8 +8161,8 @@
           </p:nvSpPr>
           <p:spPr>
             <a:xfrm>
-              <a:off x="1108774" y="4622650"/>
-              <a:ext cx="2852640" cy="646331"/>
+              <a:off x="856391" y="4521794"/>
+              <a:ext cx="3717434" cy="1477328"/>
             </a:xfrm>
             <a:prstGeom prst="rect">
               <a:avLst/>
@@ -8224,6 +8216,47 @@
                 </a:rPr>
                 <a:t> et root (voir email Masson)</a:t>
               </a:r>
+            </a:p>
+            <a:p>
+              <a:pPr algn="ctr"/>
+              <a:r>
+                <a:rPr lang="fr-FR" dirty="0">
+                  <a:solidFill>
+                    <a:schemeClr val="bg1"/>
+                  </a:solidFill>
+                </a:rPr>
+                <a:t>+ le </a:t>
+              </a:r>
+              <a:r>
+                <a:rPr lang="fr-FR" dirty="0" err="1">
+                  <a:solidFill>
+                    <a:schemeClr val="bg1"/>
+                  </a:solidFill>
+                </a:rPr>
+                <a:t>forwarding</a:t>
+              </a:r>
+              <a:r>
+                <a:rPr lang="fr-FR" dirty="0">
+                  <a:solidFill>
+                    <a:schemeClr val="bg1"/>
+                  </a:solidFill>
+                </a:rPr>
+                <a:t> et le réseau de la VM nous sont inconnus donc Tunnel SSH </a:t>
+              </a:r>
+              <a:r>
+                <a:rPr lang="fr-FR" dirty="0">
+                  <a:solidFill>
+                    <a:schemeClr val="bg1"/>
+                  </a:solidFill>
+                  <a:sym typeface="Wingdings" panose="05000000000000000000" pitchFamily="2" charset="2"/>
+                </a:rPr>
+                <a:t></a:t>
+              </a:r>
+              <a:endParaRPr lang="fr-FR" dirty="0">
+                <a:solidFill>
+                  <a:schemeClr val="bg1"/>
+                </a:solidFill>
+              </a:endParaRPr>
             </a:p>
           </p:txBody>
         </p:sp>
@@ -10405,15 +10438,6 @@
 </file>
 
 <file path=customXml/item1.xml><?xml version="1.0" encoding="utf-8"?>
-<?mso-contentType ?>
-<FormTemplates xmlns="http://schemas.microsoft.com/sharepoint/v3/contenttype/forms">
-  <Display>DocumentLibraryForm</Display>
-  <Edit>DocumentLibraryForm</Edit>
-  <New>DocumentLibraryForm</New>
-</FormTemplates>
-</file>
-
-<file path=customXml/item2.xml><?xml version="1.0" encoding="utf-8"?>
 <ct:contentTypeSchema xmlns:ct="http://schemas.microsoft.com/office/2006/metadata/contentType" xmlns:ma="http://schemas.microsoft.com/office/2006/metadata/properties/metaAttributes" ct:_="" ma:_="" ma:contentTypeName="Document" ma:contentTypeID="0x0101005090ABD94B10FA4A9EA32FB3306DEBEF" ma:contentTypeVersion="11" ma:contentTypeDescription="Crée un document." ma:contentTypeScope="" ma:versionID="7b1ed41425f213d3d81fa48624cb4d75">
   <xsd:schema xmlns:xsd="http://www.w3.org/2001/XMLSchema" xmlns:xs="http://www.w3.org/2001/XMLSchema" xmlns:p="http://schemas.microsoft.com/office/2006/metadata/properties" xmlns:ns3="da6af751-cc88-47d1-b60e-0f71f20c559f" targetNamespace="http://schemas.microsoft.com/office/2006/metadata/properties" ma:root="true" ma:fieldsID="59b71e63350cc17fec7dff2c6594b3c4" ns3:_="">
     <xsd:import namespace="da6af751-cc88-47d1-b60e-0f71f20c559f"/>
@@ -10601,6 +10625,15 @@
 </ct:contentTypeSchema>
 </file>
 
+<file path=customXml/item2.xml><?xml version="1.0" encoding="utf-8"?>
+<?mso-contentType ?>
+<FormTemplates xmlns="http://schemas.microsoft.com/sharepoint/v3/contenttype/forms">
+  <Display>DocumentLibraryForm</Display>
+  <Edit>DocumentLibraryForm</Edit>
+  <New>DocumentLibraryForm</New>
+</FormTemplates>
+</file>
+
 <file path=customXml/item3.xml><?xml version="1.0" encoding="utf-8"?>
 <p:properties xmlns:p="http://schemas.microsoft.com/office/2006/metadata/properties" xmlns:xsi="http://www.w3.org/2001/XMLSchema-instance" xmlns:pc="http://schemas.microsoft.com/office/infopath/2007/PartnerControls">
   <documentManagement>
@@ -10610,14 +10643,6 @@
 </file>
 
 <file path=customXml/itemProps1.xml><?xml version="1.0" encoding="utf-8"?>
-<ds:datastoreItem xmlns:ds="http://schemas.openxmlformats.org/officeDocument/2006/customXml" ds:itemID="{6DE3707C-8CAB-4302-B7E1-D32E1543E05C}">
-  <ds:schemaRefs>
-    <ds:schemaRef ds:uri="http://schemas.microsoft.com/sharepoint/v3/contenttype/forms"/>
-  </ds:schemaRefs>
-</ds:datastoreItem>
-</file>
-
-<file path=customXml/itemProps2.xml><?xml version="1.0" encoding="utf-8"?>
 <ds:datastoreItem xmlns:ds="http://schemas.openxmlformats.org/officeDocument/2006/customXml" ds:itemID="{B3C8BD9B-CD6E-4210-BCC2-124F7B78E75D}">
   <ds:schemaRefs>
     <ds:schemaRef ds:uri="http://schemas.microsoft.com/office/2006/metadata/contentType"/>
@@ -10635,18 +10660,26 @@
 </ds:datastoreItem>
 </file>
 
+<file path=customXml/itemProps2.xml><?xml version="1.0" encoding="utf-8"?>
+<ds:datastoreItem xmlns:ds="http://schemas.openxmlformats.org/officeDocument/2006/customXml" ds:itemID="{6DE3707C-8CAB-4302-B7E1-D32E1543E05C}">
+  <ds:schemaRefs>
+    <ds:schemaRef ds:uri="http://schemas.microsoft.com/sharepoint/v3/contenttype/forms"/>
+  </ds:schemaRefs>
+</ds:datastoreItem>
+</file>
+
 <file path=customXml/itemProps3.xml><?xml version="1.0" encoding="utf-8"?>
 <ds:datastoreItem xmlns:ds="http://schemas.openxmlformats.org/officeDocument/2006/customXml" ds:itemID="{3FDB7358-0BCB-4DEB-B717-C1D7CC555F05}">
   <ds:schemaRefs>
     <ds:schemaRef ds:uri="http://purl.org/dc/terms/"/>
+    <ds:schemaRef ds:uri="http://www.w3.org/XML/1998/namespace"/>
+    <ds:schemaRef ds:uri="http://schemas.microsoft.com/office/2006/documentManagement/types"/>
     <ds:schemaRef ds:uri="http://purl.org/dc/elements/1.1/"/>
-    <ds:schemaRef ds:uri="http://schemas.microsoft.com/office/2006/documentManagement/types"/>
     <ds:schemaRef ds:uri="http://purl.org/dc/dcmitype/"/>
-    <ds:schemaRef ds:uri="http://schemas.microsoft.com/office/2006/metadata/properties"/>
     <ds:schemaRef ds:uri="http://schemas.microsoft.com/office/infopath/2007/PartnerControls"/>
     <ds:schemaRef ds:uri="http://schemas.openxmlformats.org/package/2006/metadata/core-properties"/>
     <ds:schemaRef ds:uri="da6af751-cc88-47d1-b60e-0f71f20c559f"/>
-    <ds:schemaRef ds:uri="http://www.w3.org/XML/1998/namespace"/>
+    <ds:schemaRef ds:uri="http://schemas.microsoft.com/office/2006/metadata/properties"/>
   </ds:schemaRefs>
 </ds:datastoreItem>
 </file>
